--- a/main_challenge/QDutch.pptx
+++ b/main_challenge/QDutch.pptx
@@ -370,7 +370,7 @@
           <a:p>
             <a:fld id="{A811844C-1A2A-44A2-84EB-F4BA2A16AE21}" type="slidenum">
               <a:rPr lang="en-CA" smtClean="0"/>
-              <a:t>‹N°›</a:t>
+              <a:t>‹#›</a:t>
             </a:fld>
             <a:endParaRPr lang="en-CA"/>
           </a:p>
@@ -694,7 +694,7 @@
           <a:p>
             <a:fld id="{70C12960-6E85-460F-B6E3-5B82CB31AF3D}" type="slidenum">
               <a:rPr lang="en-US" smtClean="0"/>
-              <a:t>‹N°›</a:t>
+              <a:t>‹#›</a:t>
             </a:fld>
             <a:endParaRPr lang="en-US"/>
           </a:p>
@@ -894,7 +894,7 @@
           <a:p>
             <a:fld id="{70C12960-6E85-460F-B6E3-5B82CB31AF3D}" type="slidenum">
               <a:rPr lang="en-US" smtClean="0"/>
-              <a:t>‹N°›</a:t>
+              <a:t>‹#›</a:t>
             </a:fld>
             <a:endParaRPr lang="en-US"/>
           </a:p>
@@ -1153,7 +1153,7 @@
           <a:p>
             <a:fld id="{70C12960-6E85-460F-B6E3-5B82CB31AF3D}" type="slidenum">
               <a:rPr lang="en-US" smtClean="0"/>
-              <a:t>‹N°›</a:t>
+              <a:t>‹#›</a:t>
             </a:fld>
             <a:endParaRPr lang="en-US"/>
           </a:p>
@@ -1399,7 +1399,7 @@
           <a:p>
             <a:fld id="{70C12960-6E85-460F-B6E3-5B82CB31AF3D}" type="slidenum">
               <a:rPr lang="en-US" smtClean="0"/>
-              <a:t>‹N°›</a:t>
+              <a:t>‹#›</a:t>
             </a:fld>
             <a:endParaRPr lang="en-US"/>
           </a:p>
@@ -1731,7 +1731,7 @@
           <a:p>
             <a:fld id="{70C12960-6E85-460F-B6E3-5B82CB31AF3D}" type="slidenum">
               <a:rPr lang="en-US" smtClean="0"/>
-              <a:t>‹N°›</a:t>
+              <a:t>‹#›</a:t>
             </a:fld>
             <a:endParaRPr lang="en-US"/>
           </a:p>
@@ -2041,7 +2041,7 @@
           <a:p>
             <a:fld id="{70C12960-6E85-460F-B6E3-5B82CB31AF3D}" type="slidenum">
               <a:rPr lang="en-US" smtClean="0"/>
-              <a:t>‹N°›</a:t>
+              <a:t>‹#›</a:t>
             </a:fld>
             <a:endParaRPr lang="en-US"/>
           </a:p>
@@ -2464,7 +2464,7 @@
           <a:p>
             <a:fld id="{70C12960-6E85-460F-B6E3-5B82CB31AF3D}" type="slidenum">
               <a:rPr lang="en-US" smtClean="0"/>
-              <a:t>‹N°›</a:t>
+              <a:t>‹#›</a:t>
             </a:fld>
             <a:endParaRPr lang="en-US"/>
           </a:p>
@@ -2618,7 +2618,7 @@
             <a:fld id="{70C12960-6E85-460F-B6E3-5B82CB31AF3D}" type="slidenum">
               <a:rPr lang="en-US" smtClean="0"/>
               <a:pPr/>
-              <a:t>‹N°›</a:t>
+              <a:t>‹#›</a:t>
             </a:fld>
             <a:endParaRPr lang="en-US"/>
           </a:p>
@@ -2780,7 +2780,7 @@
           <a:p>
             <a:fld id="{70C12960-6E85-460F-B6E3-5B82CB31AF3D}" type="slidenum">
               <a:rPr lang="en-US" smtClean="0"/>
-              <a:t>‹N°›</a:t>
+              <a:t>‹#›</a:t>
             </a:fld>
             <a:endParaRPr lang="en-US"/>
           </a:p>
@@ -3097,7 +3097,7 @@
           <a:p>
             <a:fld id="{70C12960-6E85-460F-B6E3-5B82CB31AF3D}" type="slidenum">
               <a:rPr lang="en-US" smtClean="0"/>
-              <a:t>‹N°›</a:t>
+              <a:t>‹#›</a:t>
             </a:fld>
             <a:endParaRPr lang="en-US"/>
           </a:p>
@@ -3392,7 +3392,7 @@
           <a:p>
             <a:fld id="{70C12960-6E85-460F-B6E3-5B82CB31AF3D}" type="slidenum">
               <a:rPr lang="en-US" smtClean="0"/>
-              <a:t>‹N°›</a:t>
+              <a:t>‹#›</a:t>
             </a:fld>
             <a:endParaRPr lang="en-US"/>
           </a:p>
@@ -3666,7 +3666,7 @@
             <a:fld id="{70C12960-6E85-460F-B6E3-5B82CB31AF3D}" type="slidenum">
               <a:rPr lang="en-US" smtClean="0"/>
               <a:pPr/>
-              <a:t>‹N°›</a:t>
+              <a:t>‹#›</a:t>
             </a:fld>
             <a:endParaRPr lang="en-US"/>
           </a:p>
@@ -9301,7 +9301,7 @@
             </a:r>
             <a:r>
               <a:rPr lang="fr-CA" dirty="0"/>
-              <a:t> a CNOT and a Hadamard and </a:t>
+              <a:t> a NOT and a Hadamard and </a:t>
             </a:r>
             <a:r>
               <a:rPr lang="fr-CA" dirty="0" err="1"/>
@@ -9602,8 +9602,8 @@
           </a:p>
         </p:txBody>
       </p:sp>
-      <mc:AlternateContent xmlns:mc="http://schemas.openxmlformats.org/markup-compatibility/2006">
-        <mc:Choice xmlns:a14="http://schemas.microsoft.com/office/drawing/2010/main" Requires="a14">
+      <mc:AlternateContent xmlns:mc="http://schemas.openxmlformats.org/markup-compatibility/2006" xmlns:a14="http://schemas.microsoft.com/office/drawing/2010/main">
+        <mc:Choice Requires="a14">
           <p:sp>
             <p:nvSpPr>
               <p:cNvPr id="10" name="ZoneTexte 9">
@@ -9654,7 +9654,7 @@
             </p:txBody>
           </p:sp>
         </mc:Choice>
-        <mc:Fallback>
+        <mc:Fallback xmlns="">
           <p:sp>
             <p:nvSpPr>
               <p:cNvPr id="10" name="ZoneTexte 9">
@@ -11174,12 +11174,14 @@
 </file>
 
 <file path=customXml/item1.xml><?xml version="1.0" encoding="utf-8"?>
-<?mso-contentType ?>
-<FormTemplates xmlns="http://schemas.microsoft.com/sharepoint/v3/contenttype/forms">
-  <Display>DocumentLibraryForm</Display>
-  <Edit>DocumentLibraryForm</Edit>
-  <New>DocumentLibraryForm</New>
-</FormTemplates>
+<p:properties xmlns:p="http://schemas.microsoft.com/office/2006/metadata/properties" xmlns:xsi="http://www.w3.org/2001/XMLSchema-instance" xmlns:pc="http://schemas.microsoft.com/office/infopath/2007/PartnerControls">
+  <documentManagement>
+    <TaxCatchAll xmlns="fedcdf07-e0c4-43c0-81aa-1bc13e35688c" xsi:nil="true"/>
+    <lcf76f155ced4ddcb4097134ff3c332f xmlns="a16a07d7-b931-4869-8f55-50617478cf09">
+      <Terms xmlns="http://schemas.microsoft.com/office/infopath/2007/PartnerControls"/>
+    </lcf76f155ced4ddcb4097134ff3c332f>
+  </documentManagement>
+</p:properties>
 </file>
 
 <file path=customXml/item2.xml><?xml version="1.0" encoding="utf-8"?>
@@ -11384,20 +11386,27 @@
 </file>
 
 <file path=customXml/item3.xml><?xml version="1.0" encoding="utf-8"?>
-<p:properties xmlns:p="http://schemas.microsoft.com/office/2006/metadata/properties" xmlns:xsi="http://www.w3.org/2001/XMLSchema-instance" xmlns:pc="http://schemas.microsoft.com/office/infopath/2007/PartnerControls">
-  <documentManagement>
-    <TaxCatchAll xmlns="fedcdf07-e0c4-43c0-81aa-1bc13e35688c" xsi:nil="true"/>
-    <lcf76f155ced4ddcb4097134ff3c332f xmlns="a16a07d7-b931-4869-8f55-50617478cf09">
-      <Terms xmlns="http://schemas.microsoft.com/office/infopath/2007/PartnerControls"/>
-    </lcf76f155ced4ddcb4097134ff3c332f>
-  </documentManagement>
-</p:properties>
+<?mso-contentType ?>
+<FormTemplates xmlns="http://schemas.microsoft.com/sharepoint/v3/contenttype/forms">
+  <Display>DocumentLibraryForm</Display>
+  <Edit>DocumentLibraryForm</Edit>
+  <New>DocumentLibraryForm</New>
+</FormTemplates>
 </file>
 
 <file path=customXml/itemProps1.xml><?xml version="1.0" encoding="utf-8"?>
-<ds:datastoreItem xmlns:ds="http://schemas.openxmlformats.org/officeDocument/2006/customXml" ds:itemID="{21671091-55B4-4374-AE52-2D30748F1D0D}">
+<ds:datastoreItem xmlns:ds="http://schemas.openxmlformats.org/officeDocument/2006/customXml" ds:itemID="{9A04F199-B69E-4D16-B2D8-66080C4E3FBE}">
   <ds:schemaRefs>
-    <ds:schemaRef ds:uri="http://schemas.microsoft.com/sharepoint/v3/contenttype/forms"/>
+    <ds:schemaRef ds:uri="fedcdf07-e0c4-43c0-81aa-1bc13e35688c"/>
+    <ds:schemaRef ds:uri="http://purl.org/dc/elements/1.1/"/>
+    <ds:schemaRef ds:uri="http://schemas.microsoft.com/office/2006/documentManagement/types"/>
+    <ds:schemaRef ds:uri="http://schemas.microsoft.com/office/2006/metadata/properties"/>
+    <ds:schemaRef ds:uri="http://www.w3.org/XML/1998/namespace"/>
+    <ds:schemaRef ds:uri="http://schemas.microsoft.com/office/infopath/2007/PartnerControls"/>
+    <ds:schemaRef ds:uri="a16a07d7-b931-4869-8f55-50617478cf09"/>
+    <ds:schemaRef ds:uri="http://schemas.openxmlformats.org/package/2006/metadata/core-properties"/>
+    <ds:schemaRef ds:uri="http://purl.org/dc/dcmitype/"/>
+    <ds:schemaRef ds:uri="http://purl.org/dc/terms/"/>
   </ds:schemaRefs>
 </ds:datastoreItem>
 </file>
@@ -11422,18 +11431,9 @@
 </file>
 
 <file path=customXml/itemProps3.xml><?xml version="1.0" encoding="utf-8"?>
-<ds:datastoreItem xmlns:ds="http://schemas.openxmlformats.org/officeDocument/2006/customXml" ds:itemID="{9A04F199-B69E-4D16-B2D8-66080C4E3FBE}">
+<ds:datastoreItem xmlns:ds="http://schemas.openxmlformats.org/officeDocument/2006/customXml" ds:itemID="{21671091-55B4-4374-AE52-2D30748F1D0D}">
   <ds:schemaRefs>
-    <ds:schemaRef ds:uri="fedcdf07-e0c4-43c0-81aa-1bc13e35688c"/>
-    <ds:schemaRef ds:uri="http://purl.org/dc/elements/1.1/"/>
-    <ds:schemaRef ds:uri="http://schemas.microsoft.com/office/2006/documentManagement/types"/>
-    <ds:schemaRef ds:uri="http://schemas.microsoft.com/office/2006/metadata/properties"/>
-    <ds:schemaRef ds:uri="http://www.w3.org/XML/1998/namespace"/>
-    <ds:schemaRef ds:uri="http://schemas.microsoft.com/office/infopath/2007/PartnerControls"/>
-    <ds:schemaRef ds:uri="a16a07d7-b931-4869-8f55-50617478cf09"/>
-    <ds:schemaRef ds:uri="http://schemas.openxmlformats.org/package/2006/metadata/core-properties"/>
-    <ds:schemaRef ds:uri="http://purl.org/dc/dcmitype/"/>
-    <ds:schemaRef ds:uri="http://purl.org/dc/terms/"/>
+    <ds:schemaRef ds:uri="http://schemas.microsoft.com/sharepoint/v3/contenttype/forms"/>
   </ds:schemaRefs>
 </ds:datastoreItem>
 </file>